--- a/analysisFile.pptx
+++ b/analysisFile.pptx
@@ -16,10 +16,8 @@
     <p:sldId id="268" r:id="rId10"/>
     <p:sldId id="269" r:id="rId11"/>
     <p:sldId id="270" r:id="rId12"/>
-    <p:sldId id="266" r:id="rId13"/>
-    <p:sldId id="259" r:id="rId14"/>
-    <p:sldId id="260" r:id="rId15"/>
-    <p:sldId id="261" r:id="rId16"/>
+    <p:sldId id="271" r:id="rId13"/>
+    <p:sldId id="272" r:id="rId14"/>
   </p:sldIdLst>
   <p:sldSz cx="12192000" cy="6858000"/>
   <p:notesSz cx="6858000" cy="9144000"/>
@@ -118,6 +116,11 @@
       </a:defRPr>
     </a:lvl9pPr>
   </p:defaultTextStyle>
+  <p:extLst>
+    <p:ext uri="{EFAFB233-063F-42B5-8137-9DF3F51BA10A}">
+      <p15:sldGuideLst xmlns:p15="http://schemas.microsoft.com/office/powerpoint/2012/main"/>
+    </p:ext>
+  </p:extLst>
 </p:presentation>
 </file>
 
@@ -268,7 +271,7 @@
           <a:p>
             <a:fld id="{4F46ACF9-1CEC-45E7-B4F6-10C54790776D}" type="datetimeFigureOut">
               <a:rPr lang="en-US" smtClean="0"/>
-              <a:t>4/2/2018</a:t>
+              <a:t>4/20/2018</a:t>
             </a:fld>
             <a:endParaRPr lang="en-US"/>
           </a:p>
@@ -466,7 +469,7 @@
           <a:p>
             <a:fld id="{4F46ACF9-1CEC-45E7-B4F6-10C54790776D}" type="datetimeFigureOut">
               <a:rPr lang="en-US" smtClean="0"/>
-              <a:t>4/2/2018</a:t>
+              <a:t>4/20/2018</a:t>
             </a:fld>
             <a:endParaRPr lang="en-US"/>
           </a:p>
@@ -674,7 +677,7 @@
           <a:p>
             <a:fld id="{4F46ACF9-1CEC-45E7-B4F6-10C54790776D}" type="datetimeFigureOut">
               <a:rPr lang="en-US" smtClean="0"/>
-              <a:t>4/2/2018</a:t>
+              <a:t>4/20/2018</a:t>
             </a:fld>
             <a:endParaRPr lang="en-US"/>
           </a:p>
@@ -872,7 +875,7 @@
           <a:p>
             <a:fld id="{4F46ACF9-1CEC-45E7-B4F6-10C54790776D}" type="datetimeFigureOut">
               <a:rPr lang="en-US" smtClean="0"/>
-              <a:t>4/2/2018</a:t>
+              <a:t>4/20/2018</a:t>
             </a:fld>
             <a:endParaRPr lang="en-US"/>
           </a:p>
@@ -1147,7 +1150,7 @@
           <a:p>
             <a:fld id="{4F46ACF9-1CEC-45E7-B4F6-10C54790776D}" type="datetimeFigureOut">
               <a:rPr lang="en-US" smtClean="0"/>
-              <a:t>4/2/2018</a:t>
+              <a:t>4/20/2018</a:t>
             </a:fld>
             <a:endParaRPr lang="en-US"/>
           </a:p>
@@ -1412,7 +1415,7 @@
           <a:p>
             <a:fld id="{4F46ACF9-1CEC-45E7-B4F6-10C54790776D}" type="datetimeFigureOut">
               <a:rPr lang="en-US" smtClean="0"/>
-              <a:t>4/2/2018</a:t>
+              <a:t>4/20/2018</a:t>
             </a:fld>
             <a:endParaRPr lang="en-US"/>
           </a:p>
@@ -1824,7 +1827,7 @@
           <a:p>
             <a:fld id="{4F46ACF9-1CEC-45E7-B4F6-10C54790776D}" type="datetimeFigureOut">
               <a:rPr lang="en-US" smtClean="0"/>
-              <a:t>4/2/2018</a:t>
+              <a:t>4/20/2018</a:t>
             </a:fld>
             <a:endParaRPr lang="en-US"/>
           </a:p>
@@ -1965,7 +1968,7 @@
           <a:p>
             <a:fld id="{4F46ACF9-1CEC-45E7-B4F6-10C54790776D}" type="datetimeFigureOut">
               <a:rPr lang="en-US" smtClean="0"/>
-              <a:t>4/2/2018</a:t>
+              <a:t>4/20/2018</a:t>
             </a:fld>
             <a:endParaRPr lang="en-US"/>
           </a:p>
@@ -2078,7 +2081,7 @@
           <a:p>
             <a:fld id="{4F46ACF9-1CEC-45E7-B4F6-10C54790776D}" type="datetimeFigureOut">
               <a:rPr lang="en-US" smtClean="0"/>
-              <a:t>4/2/2018</a:t>
+              <a:t>4/20/2018</a:t>
             </a:fld>
             <a:endParaRPr lang="en-US"/>
           </a:p>
@@ -2389,7 +2392,7 @@
           <a:p>
             <a:fld id="{4F46ACF9-1CEC-45E7-B4F6-10C54790776D}" type="datetimeFigureOut">
               <a:rPr lang="en-US" smtClean="0"/>
-              <a:t>4/2/2018</a:t>
+              <a:t>4/20/2018</a:t>
             </a:fld>
             <a:endParaRPr lang="en-US"/>
           </a:p>
@@ -2677,7 +2680,7 @@
           <a:p>
             <a:fld id="{4F46ACF9-1CEC-45E7-B4F6-10C54790776D}" type="datetimeFigureOut">
               <a:rPr lang="en-US" smtClean="0"/>
-              <a:t>4/2/2018</a:t>
+              <a:t>4/20/2018</a:t>
             </a:fld>
             <a:endParaRPr lang="en-US"/>
           </a:p>
@@ -2918,7 +2921,7 @@
           <a:p>
             <a:fld id="{4F46ACF9-1CEC-45E7-B4F6-10C54790776D}" type="datetimeFigureOut">
               <a:rPr lang="en-US" smtClean="0"/>
-              <a:t>4/2/2018</a:t>
+              <a:t>4/20/2018</a:t>
             </a:fld>
             <a:endParaRPr lang="en-US"/>
           </a:p>
@@ -3604,7 +3607,7 @@
         </p:spPr>
         <p:txBody>
           <a:bodyPr vert="horz" lIns="91440" tIns="45720" rIns="91440" bIns="45720" rtlCol="0" anchor="ctr">
-            <a:normAutofit fontScale="92500"/>
+            <a:normAutofit fontScale="92500" lnSpcReduction="10000"/>
           </a:bodyPr>
           <a:lstStyle/>
           <a:p>
@@ -3649,51 +3652,7 @@
                 <a:ea typeface="+mj-ea"/>
                 <a:cs typeface="+mj-cs"/>
               </a:rPr>
-              <a:t>+</a:t>
-            </a:r>
-            <a:r>
-              <a:rPr lang="en-US" sz="2600" dirty="0" err="1">
-                <a:solidFill>
-                  <a:srgbClr val="FFFFFF"/>
-                </a:solidFill>
-                <a:latin typeface="+mj-lt"/>
-                <a:ea typeface="+mj-ea"/>
-                <a:cs typeface="+mj-cs"/>
-              </a:rPr>
-              <a:t>ve</a:t>
-            </a:r>
-            <a:r>
-              <a:rPr lang="en-US" sz="2600" dirty="0">
-                <a:solidFill>
-                  <a:srgbClr val="FFFFFF"/>
-                </a:solidFill>
-                <a:latin typeface="+mj-lt"/>
-                <a:ea typeface="+mj-ea"/>
-                <a:cs typeface="+mj-cs"/>
-              </a:rPr>
-              <a:t> and –</a:t>
-            </a:r>
-            <a:r>
-              <a:rPr lang="en-US" sz="2600" dirty="0" err="1">
-                <a:solidFill>
-                  <a:srgbClr val="FFFFFF"/>
-                </a:solidFill>
-                <a:latin typeface="+mj-lt"/>
-                <a:ea typeface="+mj-ea"/>
-                <a:cs typeface="+mj-cs"/>
-              </a:rPr>
-              <a:t>ve</a:t>
-            </a:r>
-            <a:r>
-              <a:rPr lang="en-US" sz="2600" dirty="0">
-                <a:solidFill>
-                  <a:srgbClr val="FFFFFF"/>
-                </a:solidFill>
-                <a:latin typeface="+mj-lt"/>
-                <a:ea typeface="+mj-ea"/>
-                <a:cs typeface="+mj-cs"/>
-              </a:rPr>
-              <a:t> Sentiment </a:t>
+              <a:t>Positive and Negative Sentiment </a:t>
             </a:r>
             <a:r>
               <a:rPr kumimoji="0" lang="en-US" sz="2600" b="0" i="0" u="none" strike="noStrike" kern="1200" cap="none" spc="0" normalizeH="0" baseline="0" noProof="0" dirty="0">
@@ -3918,7 +3877,7 @@
         </p:spPr>
         <p:txBody>
           <a:bodyPr vert="horz" lIns="91440" tIns="45720" rIns="91440" bIns="45720" rtlCol="0" anchor="ctr">
-            <a:normAutofit fontScale="92500"/>
+            <a:normAutofit fontScale="92500" lnSpcReduction="10000"/>
           </a:bodyPr>
           <a:lstStyle/>
           <a:p>
@@ -3963,51 +3922,7 @@
                 <a:ea typeface="+mj-ea"/>
                 <a:cs typeface="+mj-cs"/>
               </a:rPr>
-              <a:t>+</a:t>
-            </a:r>
-            <a:r>
-              <a:rPr lang="en-US" sz="2600" dirty="0" err="1">
-                <a:solidFill>
-                  <a:srgbClr val="FFFFFF"/>
-                </a:solidFill>
-                <a:latin typeface="+mj-lt"/>
-                <a:ea typeface="+mj-ea"/>
-                <a:cs typeface="+mj-cs"/>
-              </a:rPr>
-              <a:t>ve</a:t>
-            </a:r>
-            <a:r>
-              <a:rPr lang="en-US" sz="2600" dirty="0">
-                <a:solidFill>
-                  <a:srgbClr val="FFFFFF"/>
-                </a:solidFill>
-                <a:latin typeface="+mj-lt"/>
-                <a:ea typeface="+mj-ea"/>
-                <a:cs typeface="+mj-cs"/>
-              </a:rPr>
-              <a:t> and –</a:t>
-            </a:r>
-            <a:r>
-              <a:rPr lang="en-US" sz="2600" dirty="0" err="1">
-                <a:solidFill>
-                  <a:srgbClr val="FFFFFF"/>
-                </a:solidFill>
-                <a:latin typeface="+mj-lt"/>
-                <a:ea typeface="+mj-ea"/>
-                <a:cs typeface="+mj-cs"/>
-              </a:rPr>
-              <a:t>ve</a:t>
-            </a:r>
-            <a:r>
-              <a:rPr lang="en-US" sz="2600" dirty="0">
-                <a:solidFill>
-                  <a:srgbClr val="FFFFFF"/>
-                </a:solidFill>
-                <a:latin typeface="+mj-lt"/>
-                <a:ea typeface="+mj-ea"/>
-                <a:cs typeface="+mj-cs"/>
-              </a:rPr>
-              <a:t> Sentiment </a:t>
+              <a:t>Positive and Negative Sentiment </a:t>
             </a:r>
             <a:r>
               <a:rPr kumimoji="0" lang="en-US" sz="2600" b="0" i="0" u="none" strike="noStrike" kern="1200" cap="none" spc="0" normalizeH="0" baseline="0" noProof="0" dirty="0">
@@ -4089,6 +4004,14 @@
 <file path=ppt/slides/slide12.xml><?xml version="1.0" encoding="utf-8"?>
 <p:sld xmlns:a="http://schemas.openxmlformats.org/drawingml/2006/main" xmlns:r="http://schemas.openxmlformats.org/officeDocument/2006/relationships" xmlns:p="http://schemas.openxmlformats.org/presentationml/2006/main">
   <p:cSld>
+    <p:bg>
+      <p:bgPr>
+        <a:solidFill>
+          <a:schemeClr val="bg1"/>
+        </a:solidFill>
+        <a:effectLst/>
+      </p:bgPr>
+    </p:bg>
     <p:spTree>
       <p:nvGrpSpPr>
         <p:cNvPr id="1" name=""/>
@@ -4105,24 +4028,152 @@
       </p:grpSpPr>
       <p:sp>
         <p:nvSpPr>
-          <p:cNvPr id="4" name="TextBox 3">
-            <a:extLst>
-              <a:ext uri="{FF2B5EF4-FFF2-40B4-BE49-F238E27FC236}">
-                <a16:creationId xmlns:a16="http://schemas.microsoft.com/office/drawing/2014/main" id="{6F6A0E35-C0AF-4536-8477-68B6547F08FA}"/>
-              </a:ext>
-            </a:extLst>
-          </p:cNvPr>
-          <p:cNvSpPr txBox="1"/>
-          <p:nvPr/>
+          <p:cNvPr id="24" name="Rectangle 23">
+            <a:extLst>
+              <a:ext uri="{FF2B5EF4-FFF2-40B4-BE49-F238E27FC236}">
+                <a16:creationId xmlns:a16="http://schemas.microsoft.com/office/drawing/2014/main" id="{6753252F-4873-4F63-801D-CC719279A7D5}"/>
+              </a:ext>
+            </a:extLst>
+          </p:cNvPr>
+          <p:cNvSpPr>
+            <a:spLocks noGrp="1" noRot="1" noChangeAspect="1" noMove="1" noResize="1" noEditPoints="1" noAdjustHandles="1" noChangeArrowheads="1" noChangeShapeType="1" noTextEdit="1"/>
+          </p:cNvSpPr>
+          <p:nvPr>
+            <p:extLst>
+              <p:ext uri="{386F3935-93C4-4BCD-93E2-E3B085C9AB24}">
+                <p16:designElem xmlns:p16="http://schemas.microsoft.com/office/powerpoint/2015/main" val="1"/>
+              </p:ext>
+            </p:extLst>
+          </p:nvPr>
         </p:nvSpPr>
         <p:spPr>
           <a:xfrm>
-            <a:off x="2555631" y="1441938"/>
-            <a:ext cx="7080738" cy="3974124"/>
+            <a:off x="0" y="0"/>
+            <a:ext cx="12192000" cy="6858000"/>
           </a:xfrm>
           <a:prstGeom prst="rect">
             <a:avLst/>
           </a:prstGeom>
+          <a:solidFill>
+            <a:srgbClr val="FFFFFF"/>
+          </a:solidFill>
+          <a:ln>
+            <a:noFill/>
+          </a:ln>
+        </p:spPr>
+        <p:style>
+          <a:lnRef idx="2">
+            <a:schemeClr val="accent1">
+              <a:shade val="50000"/>
+            </a:schemeClr>
+          </a:lnRef>
+          <a:fillRef idx="1">
+            <a:schemeClr val="accent1"/>
+          </a:fillRef>
+          <a:effectRef idx="0">
+            <a:schemeClr val="accent1"/>
+          </a:effectRef>
+          <a:fontRef idx="minor">
+            <a:schemeClr val="lt1"/>
+          </a:fontRef>
+        </p:style>
+        <p:txBody>
+          <a:bodyPr rtlCol="0" anchor="ctr"/>
+          <a:lstStyle/>
+          <a:p>
+            <a:pPr algn="ctr"/>
+            <a:endParaRPr lang="en-US"/>
+          </a:p>
+        </p:txBody>
+      </p:sp>
+      <p:sp>
+        <p:nvSpPr>
+          <p:cNvPr id="26" name="Rectangle 25">
+            <a:extLst>
+              <a:ext uri="{FF2B5EF4-FFF2-40B4-BE49-F238E27FC236}">
+                <a16:creationId xmlns:a16="http://schemas.microsoft.com/office/drawing/2014/main" id="{047C8CCB-F95D-4249-92DD-651249D3535A}"/>
+              </a:ext>
+            </a:extLst>
+          </p:cNvPr>
+          <p:cNvSpPr>
+            <a:spLocks noGrp="1" noRot="1" noChangeAspect="1" noMove="1" noResize="1" noEditPoints="1" noAdjustHandles="1" noChangeArrowheads="1" noChangeShapeType="1" noTextEdit="1"/>
+          </p:cNvSpPr>
+          <p:nvPr>
+            <p:extLst>
+              <p:ext uri="{386F3935-93C4-4BCD-93E2-E3B085C9AB24}">
+                <p16:designElem xmlns:p16="http://schemas.microsoft.com/office/powerpoint/2015/main" val="1"/>
+              </p:ext>
+            </p:extLst>
+          </p:nvPr>
+        </p:nvSpPr>
+        <p:spPr>
+          <a:xfrm>
+            <a:off x="0" y="0"/>
+            <a:ext cx="2013557" cy="6858000"/>
+          </a:xfrm>
+          <a:prstGeom prst="rect">
+            <a:avLst/>
+          </a:prstGeom>
+          <a:solidFill>
+            <a:srgbClr val="69534E"/>
+          </a:solidFill>
+          <a:ln>
+            <a:noFill/>
+          </a:ln>
+        </p:spPr>
+        <p:style>
+          <a:lnRef idx="2">
+            <a:schemeClr val="accent1">
+              <a:shade val="50000"/>
+            </a:schemeClr>
+          </a:lnRef>
+          <a:fillRef idx="1">
+            <a:schemeClr val="accent1"/>
+          </a:fillRef>
+          <a:effectRef idx="0">
+            <a:schemeClr val="accent1"/>
+          </a:effectRef>
+          <a:fontRef idx="minor">
+            <a:schemeClr val="lt1"/>
+          </a:fontRef>
+        </p:style>
+        <p:txBody>
+          <a:bodyPr rtlCol="0" anchor="ctr"/>
+          <a:lstStyle/>
+          <a:p>
+            <a:pPr algn="ctr"/>
+            <a:endParaRPr lang="en-US"/>
+          </a:p>
+        </p:txBody>
+      </p:sp>
+      <p:sp>
+        <p:nvSpPr>
+          <p:cNvPr id="4" name="TextBox 3">
+            <a:extLst>
+              <a:ext uri="{FF2B5EF4-FFF2-40B4-BE49-F238E27FC236}">
+                <a16:creationId xmlns:a16="http://schemas.microsoft.com/office/drawing/2014/main" id="{9C7064D6-6654-4F4D-A8D2-37503DBF1720}"/>
+              </a:ext>
+            </a:extLst>
+          </p:cNvPr>
+          <p:cNvSpPr txBox="1"/>
+          <p:nvPr/>
+        </p:nvSpPr>
+        <p:spPr>
+          <a:xfrm>
+            <a:off x="592580" y="2074363"/>
+            <a:ext cx="2839390" cy="2818271"/>
+          </a:xfrm>
+          <a:prstGeom prst="ellipse">
+            <a:avLst/>
+          </a:prstGeom>
+          <a:solidFill>
+            <a:srgbClr val="262626"/>
+          </a:solidFill>
+          <a:ln w="174625" cmpd="thinThick">
+            <a:solidFill>
+              <a:srgbClr val="262626"/>
+            </a:solidFill>
+          </a:ln>
         </p:spPr>
         <p:txBody>
           <a:bodyPr vert="horz" lIns="91440" tIns="45720" rIns="91440" bIns="45720" rtlCol="0" anchor="ctr">
@@ -4130,7 +4181,7 @@
           </a:bodyPr>
           <a:lstStyle/>
           <a:p>
-            <a:pPr algn="ctr">
+            <a:pPr marL="0" marR="0" lvl="0" indent="0" algn="ctr" fontAlgn="auto">
               <a:lnSpc>
                 <a:spcPct val="90000"/>
               </a:lnSpc>
@@ -4140,20 +4191,123 @@
               <a:spcAft>
                 <a:spcPts val="600"/>
               </a:spcAft>
+              <a:buClrTx/>
+              <a:buSzTx/>
+              <a:tabLst/>
+              <a:defRPr/>
             </a:pPr>
             <a:r>
-              <a:rPr lang="en-US" sz="5400" b="1" dirty="0">
+              <a:rPr kumimoji="0" lang="en-US" sz="2600" b="0" i="0" u="none" strike="noStrike" kern="1200" cap="none" spc="0" normalizeH="0" baseline="0" noProof="0" dirty="0">
+                <a:ln>
+                  <a:noFill/>
+                </a:ln>
                 <a:solidFill>
-                  <a:schemeClr val="bg1">
-                    <a:lumMod val="95000"/>
-                    <a:lumOff val="5000"/>
-                  </a:schemeClr>
+                  <a:srgbClr val="FFFFFF"/>
+                </a:solidFill>
+                <a:effectLst/>
+                <a:uLnTx/>
+                <a:uFillTx/>
+                <a:latin typeface="+mj-lt"/>
+                <a:ea typeface="+mj-ea"/>
+                <a:cs typeface="+mj-cs"/>
+              </a:rPr>
+              <a:t>Trump Tweets: </a:t>
+            </a:r>
+            <a:r>
+              <a:rPr lang="en-US" sz="2600" dirty="0">
+                <a:solidFill>
+                  <a:srgbClr val="FFFFFF"/>
                 </a:solidFill>
                 <a:latin typeface="+mj-lt"/>
                 <a:ea typeface="+mj-ea"/>
                 <a:cs typeface="+mj-cs"/>
               </a:rPr>
-              <a:t>Trump Word Clouds: Unigrams, Bigrams and Trigrams</a:t>
+              <a:t>Emotional Analysis with NRC Lexicon</a:t>
+            </a:r>
+            <a:endParaRPr kumimoji="0" lang="en-US" sz="2600" b="1" i="0" u="none" strike="noStrike" kern="1200" cap="none" spc="0" normalizeH="0" baseline="0" noProof="0" dirty="0">
+              <a:ln>
+                <a:noFill/>
+              </a:ln>
+              <a:solidFill>
+                <a:srgbClr val="FFFFFF"/>
+              </a:solidFill>
+              <a:effectLst/>
+              <a:uLnTx/>
+              <a:uFillTx/>
+              <a:latin typeface="+mj-lt"/>
+              <a:ea typeface="+mj-ea"/>
+              <a:cs typeface="+mj-cs"/>
+            </a:endParaRPr>
+          </a:p>
+        </p:txBody>
+      </p:sp>
+      <p:pic>
+        <p:nvPicPr>
+          <p:cNvPr id="3" name="Picture 2">
+            <a:extLst>
+              <a:ext uri="{FF2B5EF4-FFF2-40B4-BE49-F238E27FC236}">
+                <a16:creationId xmlns:a16="http://schemas.microsoft.com/office/drawing/2014/main" id="{645D38C3-26AB-4603-A7D3-7F2B07EB9383}"/>
+              </a:ext>
+            </a:extLst>
+          </p:cNvPr>
+          <p:cNvPicPr>
+            <a:picLocks noChangeAspect="1"/>
+          </p:cNvPicPr>
+          <p:nvPr/>
+        </p:nvPicPr>
+        <p:blipFill>
+          <a:blip r:embed="rId2"/>
+          <a:stretch>
+            <a:fillRect/>
+          </a:stretch>
+        </p:blipFill>
+        <p:spPr>
+          <a:xfrm>
+            <a:off x="4683728" y="651388"/>
+            <a:ext cx="5749129" cy="4772153"/>
+          </a:xfrm>
+          <a:prstGeom prst="rect">
+            <a:avLst/>
+          </a:prstGeom>
+        </p:spPr>
+      </p:pic>
+      <p:sp>
+        <p:nvSpPr>
+          <p:cNvPr id="5" name="TextBox 4">
+            <a:extLst>
+              <a:ext uri="{FF2B5EF4-FFF2-40B4-BE49-F238E27FC236}">
+                <a16:creationId xmlns:a16="http://schemas.microsoft.com/office/drawing/2014/main" id="{A2EF5AFB-4C3F-456B-A435-FD2064957BF3}"/>
+              </a:ext>
+            </a:extLst>
+          </p:cNvPr>
+          <p:cNvSpPr txBox="1"/>
+          <p:nvPr/>
+        </p:nvSpPr>
+        <p:spPr>
+          <a:xfrm>
+            <a:off x="3288998" y="5813319"/>
+            <a:ext cx="8079712" cy="523220"/>
+          </a:xfrm>
+          <a:prstGeom prst="rect">
+            <a:avLst/>
+          </a:prstGeom>
+          <a:solidFill>
+            <a:schemeClr val="accent1"/>
+          </a:solidFill>
+        </p:spPr>
+        <p:txBody>
+          <a:bodyPr wrap="none" rtlCol="0">
+            <a:spAutoFit/>
+          </a:bodyPr>
+          <a:lstStyle/>
+          <a:p>
+            <a:r>
+              <a:rPr lang="en-US" sz="2800" b="1" dirty="0">
+                <a:solidFill>
+                  <a:schemeClr val="bg1"/>
+                </a:solidFill>
+              </a:rPr>
+              <a:t>Trust Issues Feature Strongly in Trump POTUS Tweets</a:t>
             </a:r>
           </a:p>
         </p:txBody>
@@ -4161,7 +4315,7 @@
     </p:spTree>
     <p:extLst>
       <p:ext uri="{BB962C8B-B14F-4D97-AF65-F5344CB8AC3E}">
-        <p14:creationId xmlns:p14="http://schemas.microsoft.com/office/powerpoint/2010/main" val="735180378"/>
+        <p14:creationId xmlns:p14="http://schemas.microsoft.com/office/powerpoint/2010/main" val="363768166"/>
       </p:ext>
     </p:extLst>
   </p:cSld>
@@ -4174,6 +4328,14 @@
 <file path=ppt/slides/slide13.xml><?xml version="1.0" encoding="utf-8"?>
 <p:sld xmlns:a="http://schemas.openxmlformats.org/drawingml/2006/main" xmlns:r="http://schemas.openxmlformats.org/officeDocument/2006/relationships" xmlns:p="http://schemas.openxmlformats.org/presentationml/2006/main">
   <p:cSld>
+    <p:bg>
+      <p:bgPr>
+        <a:solidFill>
+          <a:schemeClr val="bg1"/>
+        </a:solidFill>
+        <a:effectLst/>
+      </p:bgPr>
+    </p:bg>
     <p:spTree>
       <p:nvGrpSpPr>
         <p:cNvPr id="1" name=""/>
@@ -4188,70 +4350,296 @@
           <a:chExt cx="0" cy="0"/>
         </a:xfrm>
       </p:grpSpPr>
+      <p:sp>
+        <p:nvSpPr>
+          <p:cNvPr id="24" name="Rectangle 23">
+            <a:extLst>
+              <a:ext uri="{FF2B5EF4-FFF2-40B4-BE49-F238E27FC236}">
+                <a16:creationId xmlns:a16="http://schemas.microsoft.com/office/drawing/2014/main" id="{6753252F-4873-4F63-801D-CC719279A7D5}"/>
+              </a:ext>
+            </a:extLst>
+          </p:cNvPr>
+          <p:cNvSpPr>
+            <a:spLocks noGrp="1" noRot="1" noChangeAspect="1" noMove="1" noResize="1" noEditPoints="1" noAdjustHandles="1" noChangeArrowheads="1" noChangeShapeType="1" noTextEdit="1"/>
+          </p:cNvSpPr>
+          <p:nvPr>
+            <p:extLst>
+              <p:ext uri="{386F3935-93C4-4BCD-93E2-E3B085C9AB24}">
+                <p16:designElem xmlns:p16="http://schemas.microsoft.com/office/powerpoint/2015/main" val="1"/>
+              </p:ext>
+            </p:extLst>
+          </p:nvPr>
+        </p:nvSpPr>
+        <p:spPr>
+          <a:xfrm>
+            <a:off x="0" y="0"/>
+            <a:ext cx="12192000" cy="6858000"/>
+          </a:xfrm>
+          <a:prstGeom prst="rect">
+            <a:avLst/>
+          </a:prstGeom>
+          <a:solidFill>
+            <a:srgbClr val="FFFFFF"/>
+          </a:solidFill>
+          <a:ln>
+            <a:noFill/>
+          </a:ln>
+        </p:spPr>
+        <p:style>
+          <a:lnRef idx="2">
+            <a:schemeClr val="accent1">
+              <a:shade val="50000"/>
+            </a:schemeClr>
+          </a:lnRef>
+          <a:fillRef idx="1">
+            <a:schemeClr val="accent1"/>
+          </a:fillRef>
+          <a:effectRef idx="0">
+            <a:schemeClr val="accent1"/>
+          </a:effectRef>
+          <a:fontRef idx="minor">
+            <a:schemeClr val="lt1"/>
+          </a:fontRef>
+        </p:style>
+        <p:txBody>
+          <a:bodyPr rtlCol="0" anchor="ctr"/>
+          <a:lstStyle/>
+          <a:p>
+            <a:pPr algn="ctr"/>
+            <a:endParaRPr lang="en-US"/>
+          </a:p>
+        </p:txBody>
+      </p:sp>
+      <p:sp>
+        <p:nvSpPr>
+          <p:cNvPr id="26" name="Rectangle 25">
+            <a:extLst>
+              <a:ext uri="{FF2B5EF4-FFF2-40B4-BE49-F238E27FC236}">
+                <a16:creationId xmlns:a16="http://schemas.microsoft.com/office/drawing/2014/main" id="{047C8CCB-F95D-4249-92DD-651249D3535A}"/>
+              </a:ext>
+            </a:extLst>
+          </p:cNvPr>
+          <p:cNvSpPr>
+            <a:spLocks noGrp="1" noRot="1" noChangeAspect="1" noMove="1" noResize="1" noEditPoints="1" noAdjustHandles="1" noChangeArrowheads="1" noChangeShapeType="1" noTextEdit="1"/>
+          </p:cNvSpPr>
+          <p:nvPr>
+            <p:extLst>
+              <p:ext uri="{386F3935-93C4-4BCD-93E2-E3B085C9AB24}">
+                <p16:designElem xmlns:p16="http://schemas.microsoft.com/office/powerpoint/2015/main" val="1"/>
+              </p:ext>
+            </p:extLst>
+          </p:nvPr>
+        </p:nvSpPr>
+        <p:spPr>
+          <a:xfrm>
+            <a:off x="0" y="0"/>
+            <a:ext cx="2013557" cy="6858000"/>
+          </a:xfrm>
+          <a:prstGeom prst="rect">
+            <a:avLst/>
+          </a:prstGeom>
+          <a:solidFill>
+            <a:srgbClr val="69534E"/>
+          </a:solidFill>
+          <a:ln>
+            <a:noFill/>
+          </a:ln>
+        </p:spPr>
+        <p:style>
+          <a:lnRef idx="2">
+            <a:schemeClr val="accent1">
+              <a:shade val="50000"/>
+            </a:schemeClr>
+          </a:lnRef>
+          <a:fillRef idx="1">
+            <a:schemeClr val="accent1"/>
+          </a:fillRef>
+          <a:effectRef idx="0">
+            <a:schemeClr val="accent1"/>
+          </a:effectRef>
+          <a:fontRef idx="minor">
+            <a:schemeClr val="lt1"/>
+          </a:fontRef>
+        </p:style>
+        <p:txBody>
+          <a:bodyPr rtlCol="0" anchor="ctr"/>
+          <a:lstStyle/>
+          <a:p>
+            <a:pPr algn="ctr"/>
+            <a:endParaRPr lang="en-US"/>
+          </a:p>
+        </p:txBody>
+      </p:sp>
+      <p:sp>
+        <p:nvSpPr>
+          <p:cNvPr id="4" name="TextBox 3">
+            <a:extLst>
+              <a:ext uri="{FF2B5EF4-FFF2-40B4-BE49-F238E27FC236}">
+                <a16:creationId xmlns:a16="http://schemas.microsoft.com/office/drawing/2014/main" id="{9C7064D6-6654-4F4D-A8D2-37503DBF1720}"/>
+              </a:ext>
+            </a:extLst>
+          </p:cNvPr>
+          <p:cNvSpPr txBox="1"/>
+          <p:nvPr/>
+        </p:nvSpPr>
+        <p:spPr>
+          <a:xfrm>
+            <a:off x="592580" y="2074363"/>
+            <a:ext cx="2839390" cy="2818271"/>
+          </a:xfrm>
+          <a:prstGeom prst="ellipse">
+            <a:avLst/>
+          </a:prstGeom>
+          <a:solidFill>
+            <a:srgbClr val="262626"/>
+          </a:solidFill>
+          <a:ln w="174625" cmpd="thinThick">
+            <a:solidFill>
+              <a:srgbClr val="262626"/>
+            </a:solidFill>
+          </a:ln>
+        </p:spPr>
+        <p:txBody>
+          <a:bodyPr vert="horz" lIns="91440" tIns="45720" rIns="91440" bIns="45720" rtlCol="0" anchor="ctr">
+            <a:normAutofit fontScale="92500"/>
+          </a:bodyPr>
+          <a:lstStyle/>
+          <a:p>
+            <a:pPr marL="0" marR="0" lvl="0" indent="0" algn="ctr" fontAlgn="auto">
+              <a:lnSpc>
+                <a:spcPct val="90000"/>
+              </a:lnSpc>
+              <a:spcBef>
+                <a:spcPct val="0"/>
+              </a:spcBef>
+              <a:spcAft>
+                <a:spcPts val="600"/>
+              </a:spcAft>
+              <a:buClrTx/>
+              <a:buSzTx/>
+              <a:tabLst/>
+              <a:defRPr/>
+            </a:pPr>
+            <a:r>
+              <a:rPr kumimoji="0" lang="en-US" sz="2600" b="0" i="0" u="none" strike="noStrike" kern="1200" cap="none" spc="0" normalizeH="0" baseline="0" noProof="0" dirty="0">
+                <a:ln>
+                  <a:noFill/>
+                </a:ln>
+                <a:solidFill>
+                  <a:srgbClr val="FFFFFF"/>
+                </a:solidFill>
+                <a:effectLst/>
+                <a:uLnTx/>
+                <a:uFillTx/>
+                <a:latin typeface="+mj-lt"/>
+                <a:ea typeface="+mj-ea"/>
+                <a:cs typeface="+mj-cs"/>
+              </a:rPr>
+              <a:t>Trump Tweets: </a:t>
+            </a:r>
+            <a:r>
+              <a:rPr lang="en-US" sz="2600" dirty="0">
+                <a:solidFill>
+                  <a:srgbClr val="FFFFFF"/>
+                </a:solidFill>
+                <a:latin typeface="+mj-lt"/>
+                <a:ea typeface="+mj-ea"/>
+                <a:cs typeface="+mj-cs"/>
+              </a:rPr>
+              <a:t>Emotional Analysis with Loughran Lexicon</a:t>
+            </a:r>
+            <a:endParaRPr kumimoji="0" lang="en-US" sz="2600" b="1" i="0" u="none" strike="noStrike" kern="1200" cap="none" spc="0" normalizeH="0" baseline="0" noProof="0" dirty="0">
+              <a:ln>
+                <a:noFill/>
+              </a:ln>
+              <a:solidFill>
+                <a:srgbClr val="FFFFFF"/>
+              </a:solidFill>
+              <a:effectLst/>
+              <a:uLnTx/>
+              <a:uFillTx/>
+              <a:latin typeface="+mj-lt"/>
+              <a:ea typeface="+mj-ea"/>
+              <a:cs typeface="+mj-cs"/>
+            </a:endParaRPr>
+          </a:p>
+        </p:txBody>
+      </p:sp>
+      <p:sp>
+        <p:nvSpPr>
+          <p:cNvPr id="5" name="TextBox 4">
+            <a:extLst>
+              <a:ext uri="{FF2B5EF4-FFF2-40B4-BE49-F238E27FC236}">
+                <a16:creationId xmlns:a16="http://schemas.microsoft.com/office/drawing/2014/main" id="{67DFCD67-8F15-404A-AFDE-EDFB472DCFC7}"/>
+              </a:ext>
+            </a:extLst>
+          </p:cNvPr>
+          <p:cNvSpPr txBox="1"/>
+          <p:nvPr/>
+        </p:nvSpPr>
+        <p:spPr>
+          <a:xfrm>
+            <a:off x="3265552" y="5707171"/>
+            <a:ext cx="8558240" cy="523220"/>
+          </a:xfrm>
+          <a:prstGeom prst="rect">
+            <a:avLst/>
+          </a:prstGeom>
+          <a:solidFill>
+            <a:schemeClr val="accent1"/>
+          </a:solidFill>
+        </p:spPr>
+        <p:txBody>
+          <a:bodyPr wrap="none" rtlCol="0">
+            <a:spAutoFit/>
+          </a:bodyPr>
+          <a:lstStyle/>
+          <a:p>
+            <a:r>
+              <a:rPr lang="en-US" sz="2800" b="1" dirty="0">
+                <a:solidFill>
+                  <a:schemeClr val="bg1"/>
+                </a:solidFill>
+              </a:rPr>
+              <a:t>Litigious Words Feature Strongly in Trump POTUS Tweets</a:t>
+            </a:r>
+          </a:p>
+        </p:txBody>
+      </p:sp>
+      <p:pic>
+        <p:nvPicPr>
+          <p:cNvPr id="2" name="Picture 1">
+            <a:extLst>
+              <a:ext uri="{FF2B5EF4-FFF2-40B4-BE49-F238E27FC236}">
+                <a16:creationId xmlns:a16="http://schemas.microsoft.com/office/drawing/2014/main" id="{B369AE81-482F-4728-809D-03EDE199CE09}"/>
+              </a:ext>
+            </a:extLst>
+          </p:cNvPr>
+          <p:cNvPicPr>
+            <a:picLocks noChangeAspect="1"/>
+          </p:cNvPicPr>
+          <p:nvPr/>
+        </p:nvPicPr>
+        <p:blipFill>
+          <a:blip r:embed="rId2"/>
+          <a:stretch>
+            <a:fillRect/>
+          </a:stretch>
+        </p:blipFill>
+        <p:spPr>
+          <a:xfrm>
+            <a:off x="4501295" y="902147"/>
+            <a:ext cx="5861905" cy="4554946"/>
+          </a:xfrm>
+          <a:prstGeom prst="rect">
+            <a:avLst/>
+          </a:prstGeom>
+        </p:spPr>
+      </p:pic>
     </p:spTree>
     <p:extLst>
       <p:ext uri="{BB962C8B-B14F-4D97-AF65-F5344CB8AC3E}">
-        <p14:creationId xmlns:p14="http://schemas.microsoft.com/office/powerpoint/2010/main" val="3707742308"/>
-      </p:ext>
-    </p:extLst>
-  </p:cSld>
-  <p:clrMapOvr>
-    <a:masterClrMapping/>
-  </p:clrMapOvr>
-</p:sld>
-</file>
-
-<file path=ppt/slides/slide14.xml><?xml version="1.0" encoding="utf-8"?>
-<p:sld xmlns:a="http://schemas.openxmlformats.org/drawingml/2006/main" xmlns:r="http://schemas.openxmlformats.org/officeDocument/2006/relationships" xmlns:p="http://schemas.openxmlformats.org/presentationml/2006/main">
-  <p:cSld>
-    <p:spTree>
-      <p:nvGrpSpPr>
-        <p:cNvPr id="1" name=""/>
-        <p:cNvGrpSpPr/>
-        <p:nvPr/>
-      </p:nvGrpSpPr>
-      <p:grpSpPr>
-        <a:xfrm>
-          <a:off x="0" y="0"/>
-          <a:ext cx="0" cy="0"/>
-          <a:chOff x="0" y="0"/>
-          <a:chExt cx="0" cy="0"/>
-        </a:xfrm>
-      </p:grpSpPr>
-    </p:spTree>
-    <p:extLst>
-      <p:ext uri="{BB962C8B-B14F-4D97-AF65-F5344CB8AC3E}">
-        <p14:creationId xmlns:p14="http://schemas.microsoft.com/office/powerpoint/2010/main" val="2632316875"/>
-      </p:ext>
-    </p:extLst>
-  </p:cSld>
-  <p:clrMapOvr>
-    <a:masterClrMapping/>
-  </p:clrMapOvr>
-</p:sld>
-</file>
-
-<file path=ppt/slides/slide15.xml><?xml version="1.0" encoding="utf-8"?>
-<p:sld xmlns:a="http://schemas.openxmlformats.org/drawingml/2006/main" xmlns:r="http://schemas.openxmlformats.org/officeDocument/2006/relationships" xmlns:p="http://schemas.openxmlformats.org/presentationml/2006/main">
-  <p:cSld>
-    <p:spTree>
-      <p:nvGrpSpPr>
-        <p:cNvPr id="1" name=""/>
-        <p:cNvGrpSpPr/>
-        <p:nvPr/>
-      </p:nvGrpSpPr>
-      <p:grpSpPr>
-        <a:xfrm>
-          <a:off x="0" y="0"/>
-          <a:ext cx="0" cy="0"/>
-          <a:chOff x="0" y="0"/>
-          <a:chExt cx="0" cy="0"/>
-        </a:xfrm>
-      </p:grpSpPr>
-    </p:spTree>
-    <p:extLst>
-      <p:ext uri="{BB962C8B-B14F-4D97-AF65-F5344CB8AC3E}">
-        <p14:creationId xmlns:p14="http://schemas.microsoft.com/office/powerpoint/2010/main" val="1658998091"/>
+        <p14:creationId xmlns:p14="http://schemas.microsoft.com/office/powerpoint/2010/main" val="1001648787"/>
       </p:ext>
     </p:extLst>
   </p:cSld>
@@ -4773,7 +5161,34 @@
                 <a:ea typeface="+mj-ea"/>
                 <a:cs typeface="+mj-cs"/>
               </a:rPr>
-              <a:t>Trump POTUS Tweets Word Clouds: Unigrams, Bigrams and Trigrams</a:t>
+              <a:t>Trump POTUS Tweets Word Clouds: </a:t>
+            </a:r>
+          </a:p>
+          <a:p>
+            <a:pPr algn="ctr">
+              <a:lnSpc>
+                <a:spcPct val="90000"/>
+              </a:lnSpc>
+              <a:spcBef>
+                <a:spcPct val="0"/>
+              </a:spcBef>
+              <a:spcAft>
+                <a:spcPts val="600"/>
+              </a:spcAft>
+            </a:pPr>
+            <a:r>
+              <a:rPr lang="en-US" sz="5400" b="1" dirty="0">
+                <a:solidFill>
+                  <a:schemeClr val="bg1">
+                    <a:lumMod val="95000"/>
+                    <a:lumOff val="5000"/>
+                  </a:schemeClr>
+                </a:solidFill>
+                <a:latin typeface="+mj-lt"/>
+                <a:ea typeface="+mj-ea"/>
+                <a:cs typeface="+mj-cs"/>
+              </a:rPr>
+              <a:t>Unigrams, Bigrams and Trigrams</a:t>
             </a:r>
           </a:p>
         </p:txBody>
